--- a/software/sikhi2max/themes/only_translation.pptx
+++ b/software/sikhi2max/themes/only_translation.pptx
@@ -235,7 +235,7 @@
               <a:pPr>
                 <a:defRPr/>
               </a:pPr>
-              <a:t>6/4/2014</a:t>
+              <a:t>6/12/2014</a:t>
             </a:fld>
             <a:endParaRPr lang="en-GB"/>
           </a:p>
@@ -1335,47 +1335,6 @@
           </a:p>
         </p:txBody>
       </p:sp>
-      <p:sp>
-        <p:nvSpPr>
-          <p:cNvPr id="2" name="TextBox 5"/>
-          <p:cNvSpPr txBox="1">
-            <a:spLocks noChangeArrowheads="1"/>
-          </p:cNvSpPr>
-          <p:nvPr/>
-        </p:nvSpPr>
-        <p:spPr bwMode="auto">
-          <a:xfrm>
-            <a:off x="5286375" y="6357938"/>
-            <a:ext cx="3857625" cy="307975"/>
-          </a:xfrm>
-          <a:prstGeom prst="rect">
-            <a:avLst/>
-          </a:prstGeom>
-          <a:noFill/>
-          <a:ln w="9525">
-            <a:noFill/>
-            <a:miter lim="800000"/>
-            <a:headEnd/>
-            <a:tailEnd/>
-          </a:ln>
-        </p:spPr>
-        <p:txBody>
-          <a:bodyPr>
-            <a:spAutoFit/>
-          </a:bodyPr>
-          <a:lstStyle/>
-          <a:p>
-            <a:r>
-              <a:rPr lang="en-AU" sz="1400">
-                <a:solidFill>
-                  <a:srgbClr val="0066FF"/>
-                </a:solidFill>
-              </a:rPr>
-              <a:t>Gurudwara Sahib Parklea , Sydney</a:t>
-            </a:r>
-          </a:p>
-        </p:txBody>
-      </p:sp>
     </p:spTree>
   </p:cSld>
   <p:clrMapOvr>

--- a/software/sikhi2max/themes/only_translation.pptx
+++ b/software/sikhi2max/themes/only_translation.pptx
@@ -235,7 +235,7 @@
               <a:pPr>
                 <a:defRPr/>
               </a:pPr>
-              <a:t>6/12/2014</a:t>
+              <a:t>6/15/2014</a:t>
             </a:fld>
             <a:endParaRPr lang="en-GB"/>
           </a:p>
@@ -574,16 +574,9 @@
   <p:cSld>
     <p:bg>
       <p:bgPr>
-        <a:blipFill dpi="0" rotWithShape="0">
-          <a:blip r:embed="rId3">
-            <a:alphaModFix amt="8000"/>
-            <a:lum/>
-          </a:blip>
-          <a:srcRect/>
-          <a:stretch>
-            <a:fillRect/>
-          </a:stretch>
-        </a:blipFill>
+        <a:solidFill>
+          <a:srgbClr val="000099"/>
+        </a:solidFill>
         <a:effectLst/>
       </p:bgPr>
     </p:bg>
@@ -1317,9 +1310,9 @@
               <a:defRPr/>
             </a:pPr>
             <a:r>
-              <a:rPr lang="en-GB" sz="3400" dirty="0">
+              <a:rPr lang="en-GB" dirty="0">
                 <a:solidFill>
-                  <a:srgbClr val="0066FF"/>
+                  <a:schemeClr val="bg1"/>
                 </a:solidFill>
                 <a:effectLst>
                   <a:outerShdw blurRad="38100" dist="38100" dir="2700000" algn="tl">
